--- a/Bioengineering Science/timeline.pptx
+++ b/Bioengineering Science/timeline.pptx
@@ -3040,987 +3040,1002 @@
           <a:chExt cx="0" cy="0"/>
         </a:xfrm>
       </p:grpSpPr>
-      <p:sp>
-        <p:nvSpPr>
-          <p:cNvPr id="2" name="Rounded Rectangle 1"/>
-          <p:cNvSpPr/>
+      <p:grpSp>
+        <p:nvGrpSpPr>
+          <p:cNvPr id="32" name="Group 31"/>
+          <p:cNvGrpSpPr/>
           <p:nvPr/>
-        </p:nvSpPr>
-        <p:spPr>
+        </p:nvGrpSpPr>
+        <p:grpSpPr>
           <a:xfrm>
-            <a:off x="662609" y="1775791"/>
-            <a:ext cx="1298713" cy="609600"/>
+            <a:off x="225287" y="1089425"/>
+            <a:ext cx="12351026" cy="4339395"/>
+            <a:chOff x="662609" y="1089425"/>
+            <a:chExt cx="12351026" cy="4339395"/>
           </a:xfrm>
-          <a:prstGeom prst="roundRect">
-            <a:avLst/>
-          </a:prstGeom>
-          <a:solidFill>
-            <a:srgbClr val="00B0F0"/>
-          </a:solidFill>
-          <a:ln>
+        </p:grpSpPr>
+        <p:sp>
+          <p:nvSpPr>
+            <p:cNvPr id="2" name="Rounded Rectangle 1"/>
+            <p:cNvSpPr/>
+            <p:nvPr/>
+          </p:nvSpPr>
+          <p:spPr>
+            <a:xfrm>
+              <a:off x="662609" y="1775791"/>
+              <a:ext cx="1298713" cy="609600"/>
+            </a:xfrm>
+            <a:prstGeom prst="roundRect">
+              <a:avLst/>
+            </a:prstGeom>
+            <a:solidFill>
+              <a:srgbClr val="00B0F0"/>
+            </a:solidFill>
+            <a:ln>
+              <a:noFill/>
+            </a:ln>
+          </p:spPr>
+          <p:style>
+            <a:lnRef idx="2">
+              <a:schemeClr val="accent1">
+                <a:shade val="50000"/>
+              </a:schemeClr>
+            </a:lnRef>
+            <a:fillRef idx="1">
+              <a:schemeClr val="accent1"/>
+            </a:fillRef>
+            <a:effectRef idx="0">
+              <a:schemeClr val="accent1"/>
+            </a:effectRef>
+            <a:fontRef idx="minor">
+              <a:schemeClr val="lt1"/>
+            </a:fontRef>
+          </p:style>
+          <p:txBody>
+            <a:bodyPr rtlCol="0" anchor="ctr"/>
+            <a:lstStyle/>
+            <a:p>
+              <a:pPr algn="ctr"/>
+              <a:r>
+                <a:rPr lang="en-US" dirty="0" smtClean="0"/>
+                <a:t>September</a:t>
+              </a:r>
+              <a:endParaRPr lang="en-US" dirty="0"/>
+            </a:p>
+          </p:txBody>
+        </p:sp>
+        <p:sp>
+          <p:nvSpPr>
+            <p:cNvPr id="6" name="Left Bracket 5"/>
+            <p:cNvSpPr/>
+            <p:nvPr/>
+          </p:nvSpPr>
+          <p:spPr>
+            <a:xfrm rot="16200000" flipH="1">
+              <a:off x="3302442" y="-443398"/>
+              <a:ext cx="247214" cy="3837493"/>
+            </a:xfrm>
+            <a:prstGeom prst="leftBracket">
+              <a:avLst/>
+            </a:prstGeom>
+            <a:ln>
+              <a:solidFill>
+                <a:schemeClr val="tx1"/>
+              </a:solidFill>
+            </a:ln>
+          </p:spPr>
+          <p:style>
+            <a:lnRef idx="1">
+              <a:schemeClr val="accent1"/>
+            </a:lnRef>
+            <a:fillRef idx="0">
+              <a:schemeClr val="accent1"/>
+            </a:fillRef>
+            <a:effectRef idx="0">
+              <a:schemeClr val="accent1"/>
+            </a:effectRef>
+            <a:fontRef idx="minor">
+              <a:schemeClr val="tx1"/>
+            </a:fontRef>
+          </p:style>
+          <p:txBody>
+            <a:bodyPr rtlCol="0" anchor="ctr"/>
+            <a:lstStyle/>
+            <a:p>
+              <a:pPr algn="ctr"/>
+              <a:endParaRPr lang="en-US"/>
+            </a:p>
+          </p:txBody>
+        </p:sp>
+        <p:sp>
+          <p:nvSpPr>
+            <p:cNvPr id="7" name="Rounded Rectangle 6"/>
+            <p:cNvSpPr/>
+            <p:nvPr/>
+          </p:nvSpPr>
+          <p:spPr>
+            <a:xfrm>
+              <a:off x="2871263" y="1097266"/>
+              <a:ext cx="971021" cy="537327"/>
+            </a:xfrm>
+            <a:prstGeom prst="roundRect">
+              <a:avLst/>
+            </a:prstGeom>
+            <a:solidFill>
+              <a:srgbClr val="00B0F0"/>
+            </a:solidFill>
+            <a:ln>
+              <a:noFill/>
+            </a:ln>
+          </p:spPr>
+          <p:style>
+            <a:lnRef idx="2">
+              <a:schemeClr val="accent1">
+                <a:shade val="50000"/>
+              </a:schemeClr>
+            </a:lnRef>
+            <a:fillRef idx="1">
+              <a:schemeClr val="accent1"/>
+            </a:fillRef>
+            <a:effectRef idx="0">
+              <a:schemeClr val="accent1"/>
+            </a:effectRef>
+            <a:fontRef idx="minor">
+              <a:schemeClr val="lt1"/>
+            </a:fontRef>
+          </p:style>
+          <p:txBody>
+            <a:bodyPr rtlCol="0" anchor="ctr"/>
+            <a:lstStyle/>
+            <a:p>
+              <a:pPr algn="ctr"/>
+              <a:r>
+                <a:rPr lang="en-US" smtClean="0"/>
+                <a:t>2016</a:t>
+              </a:r>
+              <a:endParaRPr lang="en-US"/>
+            </a:p>
+          </p:txBody>
+        </p:sp>
+        <p:sp>
+          <p:nvSpPr>
+            <p:cNvPr id="8" name="TextBox 7"/>
+            <p:cNvSpPr txBox="1"/>
+            <p:nvPr/>
+          </p:nvSpPr>
+          <p:spPr>
+            <a:xfrm>
+              <a:off x="715617" y="2526589"/>
+              <a:ext cx="3594473" cy="461665"/>
+            </a:xfrm>
+            <a:prstGeom prst="rect">
+              <a:avLst/>
+            </a:prstGeom>
+            <a:solidFill>
+              <a:srgbClr val="00B0F0">
+                <a:alpha val="38039"/>
+              </a:srgbClr>
+            </a:solidFill>
+          </p:spPr>
+          <p:txBody>
+            <a:bodyPr wrap="square" rtlCol="0">
+              <a:spAutoFit/>
+            </a:bodyPr>
+            <a:lstStyle/>
+            <a:p>
+              <a:r>
+                <a:rPr lang="en-US" sz="1200" dirty="0" smtClean="0"/>
+                <a:t>Writing Research Ethics Board (REB) application to conduct the research</a:t>
+              </a:r>
+              <a:endParaRPr lang="en-US" sz="1200" dirty="0"/>
+            </a:p>
+          </p:txBody>
+        </p:sp>
+        <p:sp>
+          <p:nvSpPr>
+            <p:cNvPr id="9" name="TextBox 8"/>
+            <p:cNvSpPr txBox="1"/>
+            <p:nvPr/>
+          </p:nvSpPr>
+          <p:spPr>
+            <a:xfrm>
+              <a:off x="715617" y="3090237"/>
+              <a:ext cx="2710433" cy="276999"/>
+            </a:xfrm>
+            <a:prstGeom prst="rect">
+              <a:avLst/>
+            </a:prstGeom>
+            <a:solidFill>
+              <a:srgbClr val="00B0F0">
+                <a:alpha val="38039"/>
+              </a:srgbClr>
+            </a:solidFill>
+          </p:spPr>
+          <p:txBody>
+            <a:bodyPr wrap="square" rtlCol="0">
+              <a:spAutoFit/>
+            </a:bodyPr>
+            <a:lstStyle/>
+            <a:p>
+              <a:r>
+                <a:rPr lang="en-US" sz="1200" dirty="0" smtClean="0"/>
+                <a:t>Development of Survey</a:t>
+              </a:r>
+              <a:endParaRPr lang="en-US" sz="1200" dirty="0"/>
+            </a:p>
+          </p:txBody>
+        </p:sp>
+        <p:sp>
+          <p:nvSpPr>
+            <p:cNvPr id="10" name="TextBox 9"/>
+            <p:cNvSpPr txBox="1"/>
+            <p:nvPr/>
+          </p:nvSpPr>
+          <p:spPr>
+            <a:xfrm>
+              <a:off x="3505809" y="3399655"/>
+              <a:ext cx="3524834" cy="461665"/>
+            </a:xfrm>
+            <a:prstGeom prst="rect">
+              <a:avLst/>
+            </a:prstGeom>
+            <a:solidFill>
+              <a:srgbClr val="00B0F0">
+                <a:alpha val="38039"/>
+              </a:srgbClr>
+            </a:solidFill>
+          </p:spPr>
+          <p:txBody>
+            <a:bodyPr wrap="square" rtlCol="0">
+              <a:spAutoFit/>
+            </a:bodyPr>
+            <a:lstStyle/>
+            <a:p>
+              <a:r>
+                <a:rPr lang="en-US" sz="1200" dirty="0" smtClean="0"/>
+                <a:t>REB review + time to answer questions posed by the reviewers </a:t>
+              </a:r>
+              <a:endParaRPr lang="en-US" sz="1200" dirty="0"/>
+            </a:p>
+          </p:txBody>
+        </p:sp>
+        <p:sp>
+          <p:nvSpPr>
+            <p:cNvPr id="13" name="Rounded Rectangle 12"/>
+            <p:cNvSpPr/>
+            <p:nvPr/>
+          </p:nvSpPr>
+          <p:spPr>
+            <a:xfrm>
+              <a:off x="2044329" y="1775791"/>
+              <a:ext cx="1298713" cy="609600"/>
+            </a:xfrm>
+            <a:prstGeom prst="roundRect">
+              <a:avLst/>
+            </a:prstGeom>
+            <a:solidFill>
+              <a:srgbClr val="00B0F0"/>
+            </a:solidFill>
+            <a:ln>
+              <a:noFill/>
+            </a:ln>
+          </p:spPr>
+          <p:style>
+            <a:lnRef idx="2">
+              <a:schemeClr val="accent1">
+                <a:shade val="50000"/>
+              </a:schemeClr>
+            </a:lnRef>
+            <a:fillRef idx="1">
+              <a:schemeClr val="accent1"/>
+            </a:fillRef>
+            <a:effectRef idx="0">
+              <a:schemeClr val="accent1"/>
+            </a:effectRef>
+            <a:fontRef idx="minor">
+              <a:schemeClr val="lt1"/>
+            </a:fontRef>
+          </p:style>
+          <p:txBody>
+            <a:bodyPr rtlCol="0" anchor="ctr"/>
+            <a:lstStyle/>
+            <a:p>
+              <a:pPr algn="ctr"/>
+              <a:r>
+                <a:rPr lang="en-US" dirty="0" smtClean="0"/>
+                <a:t>October</a:t>
+              </a:r>
+              <a:endParaRPr lang="en-US" dirty="0"/>
+            </a:p>
+          </p:txBody>
+        </p:sp>
+        <p:sp>
+          <p:nvSpPr>
+            <p:cNvPr id="14" name="Rounded Rectangle 13"/>
+            <p:cNvSpPr/>
+            <p:nvPr/>
+          </p:nvSpPr>
+          <p:spPr>
+            <a:xfrm>
+              <a:off x="3426050" y="1775791"/>
+              <a:ext cx="1298713" cy="609600"/>
+            </a:xfrm>
+            <a:prstGeom prst="roundRect">
+              <a:avLst/>
+            </a:prstGeom>
+            <a:solidFill>
+              <a:srgbClr val="00B0F0"/>
+            </a:solidFill>
+            <a:ln>
+              <a:noFill/>
+            </a:ln>
+          </p:spPr>
+          <p:style>
+            <a:lnRef idx="2">
+              <a:schemeClr val="accent1">
+                <a:shade val="50000"/>
+              </a:schemeClr>
+            </a:lnRef>
+            <a:fillRef idx="1">
+              <a:schemeClr val="accent1"/>
+            </a:fillRef>
+            <a:effectRef idx="0">
+              <a:schemeClr val="accent1"/>
+            </a:effectRef>
+            <a:fontRef idx="minor">
+              <a:schemeClr val="lt1"/>
+            </a:fontRef>
+          </p:style>
+          <p:txBody>
+            <a:bodyPr rtlCol="0" anchor="ctr"/>
+            <a:lstStyle/>
+            <a:p>
+              <a:pPr algn="ctr"/>
+              <a:r>
+                <a:rPr lang="en-US" dirty="0" smtClean="0"/>
+                <a:t>November</a:t>
+              </a:r>
+              <a:endParaRPr lang="en-US" dirty="0"/>
+            </a:p>
+          </p:txBody>
+        </p:sp>
+        <p:sp>
+          <p:nvSpPr>
+            <p:cNvPr id="15" name="Rounded Rectangle 14"/>
+            <p:cNvSpPr/>
+            <p:nvPr/>
+          </p:nvSpPr>
+          <p:spPr>
+            <a:xfrm>
+              <a:off x="4807771" y="1775791"/>
+              <a:ext cx="1298713" cy="609600"/>
+            </a:xfrm>
+            <a:prstGeom prst="roundRect">
+              <a:avLst/>
+            </a:prstGeom>
+            <a:solidFill>
+              <a:srgbClr val="00B0F0"/>
+            </a:solidFill>
+            <a:ln>
+              <a:noFill/>
+            </a:ln>
+          </p:spPr>
+          <p:style>
+            <a:lnRef idx="2">
+              <a:schemeClr val="accent1">
+                <a:shade val="50000"/>
+              </a:schemeClr>
+            </a:lnRef>
+            <a:fillRef idx="1">
+              <a:schemeClr val="accent1"/>
+            </a:fillRef>
+            <a:effectRef idx="0">
+              <a:schemeClr val="accent1"/>
+            </a:effectRef>
+            <a:fontRef idx="minor">
+              <a:schemeClr val="lt1"/>
+            </a:fontRef>
+          </p:style>
+          <p:txBody>
+            <a:bodyPr rtlCol="0" anchor="ctr"/>
+            <a:lstStyle/>
+            <a:p>
+              <a:pPr algn="ctr"/>
+              <a:r>
+                <a:rPr lang="en-US" dirty="0" smtClean="0"/>
+                <a:t>December</a:t>
+              </a:r>
+              <a:endParaRPr lang="en-US" dirty="0"/>
+            </a:p>
+          </p:txBody>
+        </p:sp>
+        <p:sp>
+          <p:nvSpPr>
+            <p:cNvPr id="16" name="Rounded Rectangle 15"/>
+            <p:cNvSpPr/>
+            <p:nvPr/>
+          </p:nvSpPr>
+          <p:spPr>
+            <a:xfrm>
+              <a:off x="6325145" y="1775791"/>
+              <a:ext cx="1298713" cy="609600"/>
+            </a:xfrm>
+            <a:prstGeom prst="roundRect">
+              <a:avLst/>
+            </a:prstGeom>
+            <a:solidFill>
+              <a:srgbClr val="7030A0"/>
+            </a:solidFill>
+            <a:ln>
+              <a:noFill/>
+            </a:ln>
+          </p:spPr>
+          <p:style>
+            <a:lnRef idx="2">
+              <a:schemeClr val="accent1">
+                <a:shade val="50000"/>
+              </a:schemeClr>
+            </a:lnRef>
+            <a:fillRef idx="1">
+              <a:schemeClr val="accent1"/>
+            </a:fillRef>
+            <a:effectRef idx="0">
+              <a:schemeClr val="accent1"/>
+            </a:effectRef>
+            <a:fontRef idx="minor">
+              <a:schemeClr val="lt1"/>
+            </a:fontRef>
+          </p:style>
+          <p:txBody>
+            <a:bodyPr rtlCol="0" anchor="ctr"/>
+            <a:lstStyle/>
+            <a:p>
+              <a:pPr algn="ctr"/>
+              <a:r>
+                <a:rPr lang="en-US" smtClean="0"/>
+                <a:t>January</a:t>
+              </a:r>
+              <a:endParaRPr lang="en-US" dirty="0"/>
+            </a:p>
+          </p:txBody>
+        </p:sp>
+        <p:sp>
+          <p:nvSpPr>
+            <p:cNvPr id="17" name="Rounded Rectangle 16"/>
+            <p:cNvSpPr/>
+            <p:nvPr/>
+          </p:nvSpPr>
+          <p:spPr>
+            <a:xfrm>
+              <a:off x="7711688" y="1775791"/>
+              <a:ext cx="1298713" cy="609600"/>
+            </a:xfrm>
+            <a:prstGeom prst="roundRect">
+              <a:avLst/>
+            </a:prstGeom>
+            <a:solidFill>
+              <a:srgbClr val="7030A0"/>
+            </a:solidFill>
+            <a:ln>
+              <a:noFill/>
+            </a:ln>
+          </p:spPr>
+          <p:style>
+            <a:lnRef idx="2">
+              <a:schemeClr val="accent1">
+                <a:shade val="50000"/>
+              </a:schemeClr>
+            </a:lnRef>
+            <a:fillRef idx="1">
+              <a:schemeClr val="accent1"/>
+            </a:fillRef>
+            <a:effectRef idx="0">
+              <a:schemeClr val="accent1"/>
+            </a:effectRef>
+            <a:fontRef idx="minor">
+              <a:schemeClr val="lt1"/>
+            </a:fontRef>
+          </p:style>
+          <p:txBody>
+            <a:bodyPr rtlCol="0" anchor="ctr"/>
+            <a:lstStyle/>
+            <a:p>
+              <a:pPr algn="ctr"/>
+              <a:r>
+                <a:rPr lang="en-US" dirty="0" smtClean="0"/>
+                <a:t>February</a:t>
+              </a:r>
+              <a:endParaRPr lang="en-US" dirty="0"/>
+            </a:p>
+          </p:txBody>
+        </p:sp>
+        <p:sp>
+          <p:nvSpPr>
+            <p:cNvPr id="18" name="Rounded Rectangle 17"/>
+            <p:cNvSpPr/>
+            <p:nvPr/>
+          </p:nvSpPr>
+          <p:spPr>
+            <a:xfrm>
+              <a:off x="9098231" y="1775791"/>
+              <a:ext cx="1298713" cy="609600"/>
+            </a:xfrm>
+            <a:prstGeom prst="roundRect">
+              <a:avLst/>
+            </a:prstGeom>
+            <a:solidFill>
+              <a:srgbClr val="7030A0"/>
+            </a:solidFill>
+            <a:ln>
+              <a:noFill/>
+            </a:ln>
+          </p:spPr>
+          <p:style>
+            <a:lnRef idx="2">
+              <a:schemeClr val="accent1">
+                <a:shade val="50000"/>
+              </a:schemeClr>
+            </a:lnRef>
+            <a:fillRef idx="1">
+              <a:schemeClr val="accent1"/>
+            </a:fillRef>
+            <a:effectRef idx="0">
+              <a:schemeClr val="accent1"/>
+            </a:effectRef>
+            <a:fontRef idx="minor">
+              <a:schemeClr val="lt1"/>
+            </a:fontRef>
+          </p:style>
+          <p:txBody>
+            <a:bodyPr rtlCol="0" anchor="ctr"/>
+            <a:lstStyle/>
+            <a:p>
+              <a:pPr algn="ctr"/>
+              <a:r>
+                <a:rPr lang="en-US" dirty="0" smtClean="0"/>
+                <a:t>March</a:t>
+              </a:r>
+              <a:endParaRPr lang="en-US" dirty="0"/>
+            </a:p>
+          </p:txBody>
+        </p:sp>
+        <p:sp>
+          <p:nvSpPr>
+            <p:cNvPr id="19" name="Rounded Rectangle 18"/>
+            <p:cNvSpPr/>
+            <p:nvPr/>
+          </p:nvSpPr>
+          <p:spPr>
+            <a:xfrm>
+              <a:off x="10484774" y="1775791"/>
+              <a:ext cx="1298713" cy="609600"/>
+            </a:xfrm>
+            <a:prstGeom prst="roundRect">
+              <a:avLst/>
+            </a:prstGeom>
+            <a:solidFill>
+              <a:srgbClr val="7030A0"/>
+            </a:solidFill>
+            <a:ln>
+              <a:noFill/>
+            </a:ln>
+          </p:spPr>
+          <p:style>
+            <a:lnRef idx="2">
+              <a:schemeClr val="accent1">
+                <a:shade val="50000"/>
+              </a:schemeClr>
+            </a:lnRef>
+            <a:fillRef idx="1">
+              <a:schemeClr val="accent1"/>
+            </a:fillRef>
+            <a:effectRef idx="0">
+              <a:schemeClr val="accent1"/>
+            </a:effectRef>
+            <a:fontRef idx="minor">
+              <a:schemeClr val="lt1"/>
+            </a:fontRef>
+          </p:style>
+          <p:txBody>
+            <a:bodyPr rtlCol="0" anchor="ctr"/>
+            <a:lstStyle/>
+            <a:p>
+              <a:pPr algn="ctr"/>
+              <a:r>
+                <a:rPr lang="en-US" dirty="0" smtClean="0"/>
+                <a:t>April</a:t>
+              </a:r>
+              <a:endParaRPr lang="en-US" dirty="0"/>
+            </a:p>
+          </p:txBody>
+        </p:sp>
+        <p:sp>
+          <p:nvSpPr>
+            <p:cNvPr id="20" name="TextBox 19"/>
+            <p:cNvSpPr txBox="1"/>
+            <p:nvPr/>
+          </p:nvSpPr>
+          <p:spPr>
+            <a:xfrm>
+              <a:off x="7149430" y="3861321"/>
+              <a:ext cx="1292205" cy="276999"/>
+            </a:xfrm>
+            <a:prstGeom prst="rect">
+              <a:avLst/>
+            </a:prstGeom>
+            <a:solidFill>
+              <a:srgbClr val="7030A0">
+                <a:alpha val="38039"/>
+              </a:srgbClr>
+            </a:solidFill>
+          </p:spPr>
+          <p:txBody>
+            <a:bodyPr wrap="square" rtlCol="0">
+              <a:spAutoFit/>
+            </a:bodyPr>
+            <a:lstStyle/>
+            <a:p>
+              <a:endParaRPr lang="en-US" sz="1200" dirty="0"/>
+            </a:p>
+          </p:txBody>
+        </p:sp>
+        <p:sp>
+          <p:nvSpPr>
+            <p:cNvPr id="21" name="TextBox 20"/>
+            <p:cNvSpPr txBox="1"/>
+            <p:nvPr/>
+          </p:nvSpPr>
+          <p:spPr>
+            <a:xfrm>
+              <a:off x="8520667" y="4215239"/>
+              <a:ext cx="530570" cy="276999"/>
+            </a:xfrm>
+            <a:prstGeom prst="rect">
+              <a:avLst/>
+            </a:prstGeom>
+            <a:solidFill>
+              <a:srgbClr val="7030A0">
+                <a:alpha val="38039"/>
+              </a:srgbClr>
+            </a:solidFill>
+          </p:spPr>
+          <p:txBody>
+            <a:bodyPr wrap="square" rtlCol="0">
+              <a:spAutoFit/>
+            </a:bodyPr>
+            <a:lstStyle/>
+            <a:p>
+              <a:endParaRPr lang="en-US" sz="1200" dirty="0"/>
+            </a:p>
+          </p:txBody>
+        </p:sp>
+        <p:sp>
+          <p:nvSpPr>
+            <p:cNvPr id="22" name="TextBox 21"/>
+            <p:cNvSpPr txBox="1"/>
+            <p:nvPr/>
+          </p:nvSpPr>
+          <p:spPr>
+            <a:xfrm>
+              <a:off x="8480911" y="4203628"/>
+              <a:ext cx="3903761" cy="276999"/>
+            </a:xfrm>
+            <a:prstGeom prst="rect">
+              <a:avLst/>
+            </a:prstGeom>
             <a:noFill/>
-          </a:ln>
-        </p:spPr>
-        <p:style>
-          <a:lnRef idx="2">
-            <a:schemeClr val="accent1">
-              <a:shade val="50000"/>
-            </a:schemeClr>
-          </a:lnRef>
-          <a:fillRef idx="1">
-            <a:schemeClr val="accent1"/>
-          </a:fillRef>
-          <a:effectRef idx="0">
-            <a:schemeClr val="accent1"/>
-          </a:effectRef>
-          <a:fontRef idx="minor">
-            <a:schemeClr val="lt1"/>
-          </a:fontRef>
-        </p:style>
-        <p:txBody>
-          <a:bodyPr rtlCol="0" anchor="ctr"/>
-          <a:lstStyle/>
-          <a:p>
-            <a:pPr algn="ctr"/>
-            <a:r>
-              <a:rPr lang="en-US" dirty="0" smtClean="0"/>
-              <a:t>September</a:t>
-            </a:r>
-            <a:endParaRPr lang="en-US" dirty="0"/>
-          </a:p>
-        </p:txBody>
-      </p:sp>
-      <p:sp>
-        <p:nvSpPr>
-          <p:cNvPr id="6" name="Left Bracket 5"/>
-          <p:cNvSpPr/>
-          <p:nvPr/>
-        </p:nvSpPr>
-        <p:spPr>
-          <a:xfrm rot="16200000" flipH="1">
-            <a:off x="3302442" y="-443398"/>
-            <a:ext cx="247214" cy="3837493"/>
-          </a:xfrm>
-          <a:prstGeom prst="leftBracket">
-            <a:avLst/>
-          </a:prstGeom>
-          <a:ln>
+          </p:spPr>
+          <p:txBody>
+            <a:bodyPr wrap="none" rtlCol="0">
+              <a:spAutoFit/>
+            </a:bodyPr>
+            <a:lstStyle/>
+            <a:p>
+              <a:r>
+                <a:rPr lang="en-US" sz="1200" dirty="0" smtClean="0"/>
+                <a:t>Analyze the results of the survey and develop a new survey</a:t>
+              </a:r>
+              <a:r>
+                <a:rPr lang="en-US" sz="1200" dirty="0" smtClean="0">
+                  <a:effectLst/>
+                </a:rPr>
+                <a:t> </a:t>
+              </a:r>
+              <a:endParaRPr lang="en-US" sz="1200" dirty="0" smtClean="0"/>
+            </a:p>
+          </p:txBody>
+        </p:sp>
+        <p:sp>
+          <p:nvSpPr>
+            <p:cNvPr id="23" name="TextBox 22"/>
+            <p:cNvSpPr txBox="1"/>
+            <p:nvPr/>
+          </p:nvSpPr>
+          <p:spPr>
+            <a:xfrm>
+              <a:off x="7159174" y="3847387"/>
+              <a:ext cx="3878113" cy="276999"/>
+            </a:xfrm>
+            <a:prstGeom prst="rect">
+              <a:avLst/>
+            </a:prstGeom>
+            <a:noFill/>
+          </p:spPr>
+          <p:txBody>
+            <a:bodyPr wrap="none" rtlCol="0">
+              <a:spAutoFit/>
+            </a:bodyPr>
+            <a:lstStyle/>
+            <a:p>
+              <a:r>
+                <a:rPr lang="en-US" sz="1200" dirty="0" smtClean="0"/>
+                <a:t>Sending out surveys +time to wait for physicians to answer</a:t>
+              </a:r>
+              <a:r>
+                <a:rPr lang="en-US" sz="1200" dirty="0" smtClean="0">
+                  <a:effectLst/>
+                </a:rPr>
+                <a:t> </a:t>
+              </a:r>
+              <a:endParaRPr lang="en-US" sz="1200" dirty="0" smtClean="0"/>
+            </a:p>
+          </p:txBody>
+        </p:sp>
+        <p:sp>
+          <p:nvSpPr>
+            <p:cNvPr id="24" name="TextBox 23"/>
+            <p:cNvSpPr txBox="1"/>
+            <p:nvPr/>
+          </p:nvSpPr>
+          <p:spPr>
+            <a:xfrm>
+              <a:off x="9140586" y="4533293"/>
+              <a:ext cx="1344188" cy="420610"/>
+            </a:xfrm>
+            <a:prstGeom prst="rect">
+              <a:avLst/>
+            </a:prstGeom>
             <a:solidFill>
+              <a:srgbClr val="7030A0">
+                <a:alpha val="38039"/>
+              </a:srgbClr>
+            </a:solidFill>
+          </p:spPr>
+          <p:txBody>
+            <a:bodyPr wrap="square" rtlCol="0">
+              <a:spAutoFit/>
+            </a:bodyPr>
+            <a:lstStyle/>
+            <a:p>
+              <a:endParaRPr lang="en-US" sz="1200" dirty="0"/>
+            </a:p>
+          </p:txBody>
+        </p:sp>
+        <p:sp>
+          <p:nvSpPr>
+            <p:cNvPr id="26" name="TextBox 25"/>
+            <p:cNvSpPr txBox="1"/>
+            <p:nvPr/>
+          </p:nvSpPr>
+          <p:spPr>
+            <a:xfrm>
+              <a:off x="9140587" y="4505490"/>
+              <a:ext cx="3873048" cy="461665"/>
+            </a:xfrm>
+            <a:prstGeom prst="rect">
+              <a:avLst/>
+            </a:prstGeom>
+            <a:noFill/>
+          </p:spPr>
+          <p:txBody>
+            <a:bodyPr wrap="square" rtlCol="0">
+              <a:spAutoFit/>
+            </a:bodyPr>
+            <a:lstStyle/>
+            <a:p>
+              <a:r>
+                <a:rPr lang="en-US" sz="1200" dirty="0" smtClean="0"/>
+                <a:t>Sending out 2</a:t>
+              </a:r>
+              <a:r>
+                <a:rPr lang="en-US" sz="1200" baseline="30000" dirty="0" smtClean="0"/>
+                <a:t>nd</a:t>
+              </a:r>
+              <a:r>
+                <a:rPr lang="en-US" sz="1200" dirty="0" smtClean="0"/>
+                <a:t> round of surveys + time to wait for physicians to answer</a:t>
+              </a:r>
+            </a:p>
+          </p:txBody>
+        </p:sp>
+        <p:sp>
+          <p:nvSpPr>
+            <p:cNvPr id="27" name="TextBox 26"/>
+            <p:cNvSpPr txBox="1"/>
+            <p:nvPr/>
+          </p:nvSpPr>
+          <p:spPr>
+            <a:xfrm>
+              <a:off x="10524530" y="4993659"/>
+              <a:ext cx="1344188" cy="420610"/>
+            </a:xfrm>
+            <a:prstGeom prst="rect">
+              <a:avLst/>
+            </a:prstGeom>
+            <a:solidFill>
+              <a:srgbClr val="7030A0">
+                <a:alpha val="38039"/>
+              </a:srgbClr>
+            </a:solidFill>
+          </p:spPr>
+          <p:txBody>
+            <a:bodyPr wrap="square" rtlCol="0">
+              <a:spAutoFit/>
+            </a:bodyPr>
+            <a:lstStyle/>
+            <a:p>
+              <a:endParaRPr lang="en-US" sz="1200" dirty="0"/>
+            </a:p>
+          </p:txBody>
+        </p:sp>
+        <p:sp>
+          <p:nvSpPr>
+            <p:cNvPr id="28" name="TextBox 27"/>
+            <p:cNvSpPr txBox="1"/>
+            <p:nvPr/>
+          </p:nvSpPr>
+          <p:spPr>
+            <a:xfrm>
+              <a:off x="10484774" y="4967155"/>
+              <a:ext cx="2316826" cy="461665"/>
+            </a:xfrm>
+            <a:prstGeom prst="rect">
+              <a:avLst/>
+            </a:prstGeom>
+            <a:noFill/>
+          </p:spPr>
+          <p:txBody>
+            <a:bodyPr wrap="square" rtlCol="0">
+              <a:spAutoFit/>
+            </a:bodyPr>
+            <a:lstStyle/>
+            <a:p>
+              <a:r>
+                <a:rPr lang="en-US" sz="1200" dirty="0" smtClean="0"/>
+                <a:t>Analyze the results of the survey and write publication </a:t>
+              </a:r>
+            </a:p>
+          </p:txBody>
+        </p:sp>
+        <p:sp>
+          <p:nvSpPr>
+            <p:cNvPr id="29" name="TextBox 28"/>
+            <p:cNvSpPr txBox="1"/>
+            <p:nvPr/>
+          </p:nvSpPr>
+          <p:spPr>
+            <a:xfrm>
+              <a:off x="7149429" y="3438892"/>
+              <a:ext cx="4634058" cy="276999"/>
+            </a:xfrm>
+            <a:prstGeom prst="rect">
+              <a:avLst/>
+            </a:prstGeom>
+            <a:solidFill>
+              <a:srgbClr val="7030A0">
+                <a:alpha val="38039"/>
+              </a:srgbClr>
+            </a:solidFill>
+          </p:spPr>
+          <p:txBody>
+            <a:bodyPr wrap="square" rtlCol="0">
+              <a:spAutoFit/>
+            </a:bodyPr>
+            <a:lstStyle/>
+            <a:p>
+              <a:r>
+                <a:rPr lang="en-US" sz="1200" dirty="0" smtClean="0"/>
+                <a:t>Attend surgeries and time the steps</a:t>
+              </a:r>
+              <a:endParaRPr lang="en-US" sz="1200" dirty="0"/>
+            </a:p>
+          </p:txBody>
+        </p:sp>
+        <p:sp>
+          <p:nvSpPr>
+            <p:cNvPr id="30" name="Left Bracket 29"/>
+            <p:cNvSpPr/>
+            <p:nvPr/>
+          </p:nvSpPr>
+          <p:spPr>
+            <a:xfrm rot="16200000" flipH="1">
+              <a:off x="9014688" y="-451239"/>
+              <a:ext cx="247214" cy="3837493"/>
+            </a:xfrm>
+            <a:prstGeom prst="leftBracket">
+              <a:avLst/>
+            </a:prstGeom>
+            <a:noFill/>
+            <a:ln>
+              <a:solidFill>
+                <a:schemeClr val="tx1"/>
+              </a:solidFill>
+            </a:ln>
+          </p:spPr>
+          <p:style>
+            <a:lnRef idx="1">
+              <a:schemeClr val="accent1"/>
+            </a:lnRef>
+            <a:fillRef idx="0">
+              <a:schemeClr val="accent1"/>
+            </a:fillRef>
+            <a:effectRef idx="0">
+              <a:schemeClr val="accent1"/>
+            </a:effectRef>
+            <a:fontRef idx="minor">
               <a:schemeClr val="tx1"/>
+            </a:fontRef>
+          </p:style>
+          <p:txBody>
+            <a:bodyPr rtlCol="0" anchor="ctr"/>
+            <a:lstStyle/>
+            <a:p>
+              <a:pPr algn="ctr"/>
+              <a:endParaRPr lang="en-US"/>
+            </a:p>
+          </p:txBody>
+        </p:sp>
+        <p:sp>
+          <p:nvSpPr>
+            <p:cNvPr id="31" name="Rounded Rectangle 30"/>
+            <p:cNvSpPr/>
+            <p:nvPr/>
+          </p:nvSpPr>
+          <p:spPr>
+            <a:xfrm>
+              <a:off x="8583509" y="1089425"/>
+              <a:ext cx="971021" cy="537327"/>
+            </a:xfrm>
+            <a:prstGeom prst="roundRect">
+              <a:avLst/>
+            </a:prstGeom>
+            <a:solidFill>
+              <a:srgbClr val="7030A0"/>
             </a:solidFill>
-          </a:ln>
-        </p:spPr>
-        <p:style>
-          <a:lnRef idx="1">
-            <a:schemeClr val="accent1"/>
-          </a:lnRef>
-          <a:fillRef idx="0">
-            <a:schemeClr val="accent1"/>
-          </a:fillRef>
-          <a:effectRef idx="0">
-            <a:schemeClr val="accent1"/>
-          </a:effectRef>
-          <a:fontRef idx="minor">
-            <a:schemeClr val="tx1"/>
-          </a:fontRef>
-        </p:style>
-        <p:txBody>
-          <a:bodyPr rtlCol="0" anchor="ctr"/>
-          <a:lstStyle/>
-          <a:p>
-            <a:pPr algn="ctr"/>
-            <a:endParaRPr lang="en-US"/>
-          </a:p>
-        </p:txBody>
-      </p:sp>
-      <p:sp>
-        <p:nvSpPr>
-          <p:cNvPr id="7" name="Rounded Rectangle 6"/>
-          <p:cNvSpPr/>
-          <p:nvPr/>
-        </p:nvSpPr>
-        <p:spPr>
-          <a:xfrm>
-            <a:off x="2871263" y="1097266"/>
-            <a:ext cx="971021" cy="537327"/>
-          </a:xfrm>
-          <a:prstGeom prst="roundRect">
-            <a:avLst/>
-          </a:prstGeom>
-          <a:solidFill>
-            <a:srgbClr val="00B0F0"/>
-          </a:solidFill>
-          <a:ln>
-            <a:noFill/>
-          </a:ln>
-        </p:spPr>
-        <p:style>
-          <a:lnRef idx="2">
-            <a:schemeClr val="accent1">
-              <a:shade val="50000"/>
-            </a:schemeClr>
-          </a:lnRef>
-          <a:fillRef idx="1">
-            <a:schemeClr val="accent1"/>
-          </a:fillRef>
-          <a:effectRef idx="0">
-            <a:schemeClr val="accent1"/>
-          </a:effectRef>
-          <a:fontRef idx="minor">
-            <a:schemeClr val="lt1"/>
-          </a:fontRef>
-        </p:style>
-        <p:txBody>
-          <a:bodyPr rtlCol="0" anchor="ctr"/>
-          <a:lstStyle/>
-          <a:p>
-            <a:pPr algn="ctr"/>
-            <a:r>
-              <a:rPr lang="en-US" smtClean="0"/>
-              <a:t>2016</a:t>
-            </a:r>
-            <a:endParaRPr lang="en-US"/>
-          </a:p>
-        </p:txBody>
-      </p:sp>
-      <p:sp>
-        <p:nvSpPr>
-          <p:cNvPr id="8" name="TextBox 7"/>
-          <p:cNvSpPr txBox="1"/>
-          <p:nvPr/>
-        </p:nvSpPr>
-        <p:spPr>
-          <a:xfrm>
-            <a:off x="715617" y="2526589"/>
-            <a:ext cx="3594473" cy="461665"/>
-          </a:xfrm>
-          <a:prstGeom prst="rect">
-            <a:avLst/>
-          </a:prstGeom>
-          <a:solidFill>
-            <a:srgbClr val="00B0F0">
-              <a:alpha val="38039"/>
-            </a:srgbClr>
-          </a:solidFill>
-        </p:spPr>
-        <p:txBody>
-          <a:bodyPr wrap="square" rtlCol="0">
-            <a:spAutoFit/>
-          </a:bodyPr>
-          <a:lstStyle/>
-          <a:p>
-            <a:r>
-              <a:rPr lang="en-US" sz="1200" dirty="0" smtClean="0"/>
-              <a:t>Writing Research Ethics Board (REB) application to conduct the research</a:t>
-            </a:r>
-            <a:endParaRPr lang="en-US" sz="1200" dirty="0"/>
-          </a:p>
-        </p:txBody>
-      </p:sp>
-      <p:sp>
-        <p:nvSpPr>
-          <p:cNvPr id="9" name="TextBox 8"/>
-          <p:cNvSpPr txBox="1"/>
-          <p:nvPr/>
-        </p:nvSpPr>
-        <p:spPr>
-          <a:xfrm>
-            <a:off x="715617" y="3090237"/>
-            <a:ext cx="2710433" cy="276999"/>
-          </a:xfrm>
-          <a:prstGeom prst="rect">
-            <a:avLst/>
-          </a:prstGeom>
-          <a:solidFill>
-            <a:srgbClr val="00B0F0">
-              <a:alpha val="38039"/>
-            </a:srgbClr>
-          </a:solidFill>
-        </p:spPr>
-        <p:txBody>
-          <a:bodyPr wrap="square" rtlCol="0">
-            <a:spAutoFit/>
-          </a:bodyPr>
-          <a:lstStyle/>
-          <a:p>
-            <a:r>
-              <a:rPr lang="en-US" sz="1200" dirty="0" smtClean="0"/>
-              <a:t>Development of Survey</a:t>
-            </a:r>
-            <a:endParaRPr lang="en-US" sz="1200" dirty="0"/>
-          </a:p>
-        </p:txBody>
-      </p:sp>
-      <p:sp>
-        <p:nvSpPr>
-          <p:cNvPr id="10" name="TextBox 9"/>
-          <p:cNvSpPr txBox="1"/>
-          <p:nvPr/>
-        </p:nvSpPr>
-        <p:spPr>
-          <a:xfrm>
-            <a:off x="3505809" y="3399655"/>
-            <a:ext cx="3524834" cy="461665"/>
-          </a:xfrm>
-          <a:prstGeom prst="rect">
-            <a:avLst/>
-          </a:prstGeom>
-          <a:solidFill>
-            <a:srgbClr val="00B0F0">
-              <a:alpha val="38039"/>
-            </a:srgbClr>
-          </a:solidFill>
-        </p:spPr>
-        <p:txBody>
-          <a:bodyPr wrap="square" rtlCol="0">
-            <a:spAutoFit/>
-          </a:bodyPr>
-          <a:lstStyle/>
-          <a:p>
-            <a:r>
-              <a:rPr lang="en-US" sz="1200" dirty="0" smtClean="0"/>
-              <a:t>REB review + time to answer questions posed by the reviewers </a:t>
-            </a:r>
-            <a:endParaRPr lang="en-US" sz="1200" dirty="0"/>
-          </a:p>
-        </p:txBody>
-      </p:sp>
-      <p:sp>
-        <p:nvSpPr>
-          <p:cNvPr id="13" name="Rounded Rectangle 12"/>
-          <p:cNvSpPr/>
-          <p:nvPr/>
-        </p:nvSpPr>
-        <p:spPr>
-          <a:xfrm>
-            <a:off x="2044329" y="1775791"/>
-            <a:ext cx="1298713" cy="609600"/>
-          </a:xfrm>
-          <a:prstGeom prst="roundRect">
-            <a:avLst/>
-          </a:prstGeom>
-          <a:solidFill>
-            <a:srgbClr val="00B0F0"/>
-          </a:solidFill>
-          <a:ln>
-            <a:noFill/>
-          </a:ln>
-        </p:spPr>
-        <p:style>
-          <a:lnRef idx="2">
-            <a:schemeClr val="accent1">
-              <a:shade val="50000"/>
-            </a:schemeClr>
-          </a:lnRef>
-          <a:fillRef idx="1">
-            <a:schemeClr val="accent1"/>
-          </a:fillRef>
-          <a:effectRef idx="0">
-            <a:schemeClr val="accent1"/>
-          </a:effectRef>
-          <a:fontRef idx="minor">
-            <a:schemeClr val="lt1"/>
-          </a:fontRef>
-        </p:style>
-        <p:txBody>
-          <a:bodyPr rtlCol="0" anchor="ctr"/>
-          <a:lstStyle/>
-          <a:p>
-            <a:pPr algn="ctr"/>
-            <a:r>
-              <a:rPr lang="en-US" dirty="0" smtClean="0"/>
-              <a:t>October</a:t>
-            </a:r>
-            <a:endParaRPr lang="en-US" dirty="0"/>
-          </a:p>
-        </p:txBody>
-      </p:sp>
-      <p:sp>
-        <p:nvSpPr>
-          <p:cNvPr id="14" name="Rounded Rectangle 13"/>
-          <p:cNvSpPr/>
-          <p:nvPr/>
-        </p:nvSpPr>
-        <p:spPr>
-          <a:xfrm>
-            <a:off x="3426050" y="1775791"/>
-            <a:ext cx="1298713" cy="609600"/>
-          </a:xfrm>
-          <a:prstGeom prst="roundRect">
-            <a:avLst/>
-          </a:prstGeom>
-          <a:solidFill>
-            <a:srgbClr val="00B0F0"/>
-          </a:solidFill>
-          <a:ln>
-            <a:noFill/>
-          </a:ln>
-        </p:spPr>
-        <p:style>
-          <a:lnRef idx="2">
-            <a:schemeClr val="accent1">
-              <a:shade val="50000"/>
-            </a:schemeClr>
-          </a:lnRef>
-          <a:fillRef idx="1">
-            <a:schemeClr val="accent1"/>
-          </a:fillRef>
-          <a:effectRef idx="0">
-            <a:schemeClr val="accent1"/>
-          </a:effectRef>
-          <a:fontRef idx="minor">
-            <a:schemeClr val="lt1"/>
-          </a:fontRef>
-        </p:style>
-        <p:txBody>
-          <a:bodyPr rtlCol="0" anchor="ctr"/>
-          <a:lstStyle/>
-          <a:p>
-            <a:pPr algn="ctr"/>
-            <a:r>
-              <a:rPr lang="en-US" dirty="0" smtClean="0"/>
-              <a:t>November</a:t>
-            </a:r>
-            <a:endParaRPr lang="en-US" dirty="0"/>
-          </a:p>
-        </p:txBody>
-      </p:sp>
-      <p:sp>
-        <p:nvSpPr>
-          <p:cNvPr id="15" name="Rounded Rectangle 14"/>
-          <p:cNvSpPr/>
-          <p:nvPr/>
-        </p:nvSpPr>
-        <p:spPr>
-          <a:xfrm>
-            <a:off x="4807771" y="1775791"/>
-            <a:ext cx="1298713" cy="609600"/>
-          </a:xfrm>
-          <a:prstGeom prst="roundRect">
-            <a:avLst/>
-          </a:prstGeom>
-          <a:solidFill>
-            <a:srgbClr val="00B0F0"/>
-          </a:solidFill>
-          <a:ln>
-            <a:noFill/>
-          </a:ln>
-        </p:spPr>
-        <p:style>
-          <a:lnRef idx="2">
-            <a:schemeClr val="accent1">
-              <a:shade val="50000"/>
-            </a:schemeClr>
-          </a:lnRef>
-          <a:fillRef idx="1">
-            <a:schemeClr val="accent1"/>
-          </a:fillRef>
-          <a:effectRef idx="0">
-            <a:schemeClr val="accent1"/>
-          </a:effectRef>
-          <a:fontRef idx="minor">
-            <a:schemeClr val="lt1"/>
-          </a:fontRef>
-        </p:style>
-        <p:txBody>
-          <a:bodyPr rtlCol="0" anchor="ctr"/>
-          <a:lstStyle/>
-          <a:p>
-            <a:pPr algn="ctr"/>
-            <a:r>
-              <a:rPr lang="en-US" dirty="0" smtClean="0"/>
-              <a:t>December</a:t>
-            </a:r>
-            <a:endParaRPr lang="en-US" dirty="0"/>
-          </a:p>
-        </p:txBody>
-      </p:sp>
-      <p:sp>
-        <p:nvSpPr>
-          <p:cNvPr id="16" name="Rounded Rectangle 15"/>
-          <p:cNvSpPr/>
-          <p:nvPr/>
-        </p:nvSpPr>
-        <p:spPr>
-          <a:xfrm>
-            <a:off x="6325145" y="1775791"/>
-            <a:ext cx="1298713" cy="609600"/>
-          </a:xfrm>
-          <a:prstGeom prst="roundRect">
-            <a:avLst/>
-          </a:prstGeom>
-          <a:solidFill>
-            <a:srgbClr val="7030A0"/>
-          </a:solidFill>
-          <a:ln>
-            <a:noFill/>
-          </a:ln>
-        </p:spPr>
-        <p:style>
-          <a:lnRef idx="2">
-            <a:schemeClr val="accent1">
-              <a:shade val="50000"/>
-            </a:schemeClr>
-          </a:lnRef>
-          <a:fillRef idx="1">
-            <a:schemeClr val="accent1"/>
-          </a:fillRef>
-          <a:effectRef idx="0">
-            <a:schemeClr val="accent1"/>
-          </a:effectRef>
-          <a:fontRef idx="minor">
-            <a:schemeClr val="lt1"/>
-          </a:fontRef>
-        </p:style>
-        <p:txBody>
-          <a:bodyPr rtlCol="0" anchor="ctr"/>
-          <a:lstStyle/>
-          <a:p>
-            <a:pPr algn="ctr"/>
-            <a:r>
-              <a:rPr lang="en-US" smtClean="0"/>
-              <a:t>January</a:t>
-            </a:r>
-            <a:endParaRPr lang="en-US" dirty="0"/>
-          </a:p>
-        </p:txBody>
-      </p:sp>
-      <p:sp>
-        <p:nvSpPr>
-          <p:cNvPr id="17" name="Rounded Rectangle 16"/>
-          <p:cNvSpPr/>
-          <p:nvPr/>
-        </p:nvSpPr>
-        <p:spPr>
-          <a:xfrm>
-            <a:off x="7711688" y="1775791"/>
-            <a:ext cx="1298713" cy="609600"/>
-          </a:xfrm>
-          <a:prstGeom prst="roundRect">
-            <a:avLst/>
-          </a:prstGeom>
-          <a:solidFill>
-            <a:srgbClr val="7030A0"/>
-          </a:solidFill>
-          <a:ln>
-            <a:noFill/>
-          </a:ln>
-        </p:spPr>
-        <p:style>
-          <a:lnRef idx="2">
-            <a:schemeClr val="accent1">
-              <a:shade val="50000"/>
-            </a:schemeClr>
-          </a:lnRef>
-          <a:fillRef idx="1">
-            <a:schemeClr val="accent1"/>
-          </a:fillRef>
-          <a:effectRef idx="0">
-            <a:schemeClr val="accent1"/>
-          </a:effectRef>
-          <a:fontRef idx="minor">
-            <a:schemeClr val="lt1"/>
-          </a:fontRef>
-        </p:style>
-        <p:txBody>
-          <a:bodyPr rtlCol="0" anchor="ctr"/>
-          <a:lstStyle/>
-          <a:p>
-            <a:pPr algn="ctr"/>
-            <a:r>
-              <a:rPr lang="en-US" dirty="0" smtClean="0"/>
-              <a:t>February</a:t>
-            </a:r>
-            <a:endParaRPr lang="en-US" dirty="0"/>
-          </a:p>
-        </p:txBody>
-      </p:sp>
-      <p:sp>
-        <p:nvSpPr>
-          <p:cNvPr id="18" name="Rounded Rectangle 17"/>
-          <p:cNvSpPr/>
-          <p:nvPr/>
-        </p:nvSpPr>
-        <p:spPr>
-          <a:xfrm>
-            <a:off x="9098231" y="1775791"/>
-            <a:ext cx="1298713" cy="609600"/>
-          </a:xfrm>
-          <a:prstGeom prst="roundRect">
-            <a:avLst/>
-          </a:prstGeom>
-          <a:solidFill>
-            <a:srgbClr val="7030A0"/>
-          </a:solidFill>
-          <a:ln>
-            <a:noFill/>
-          </a:ln>
-        </p:spPr>
-        <p:style>
-          <a:lnRef idx="2">
-            <a:schemeClr val="accent1">
-              <a:shade val="50000"/>
-            </a:schemeClr>
-          </a:lnRef>
-          <a:fillRef idx="1">
-            <a:schemeClr val="accent1"/>
-          </a:fillRef>
-          <a:effectRef idx="0">
-            <a:schemeClr val="accent1"/>
-          </a:effectRef>
-          <a:fontRef idx="minor">
-            <a:schemeClr val="lt1"/>
-          </a:fontRef>
-        </p:style>
-        <p:txBody>
-          <a:bodyPr rtlCol="0" anchor="ctr"/>
-          <a:lstStyle/>
-          <a:p>
-            <a:pPr algn="ctr"/>
-            <a:r>
-              <a:rPr lang="en-US" dirty="0" smtClean="0"/>
-              <a:t>March</a:t>
-            </a:r>
-            <a:endParaRPr lang="en-US" dirty="0"/>
-          </a:p>
-        </p:txBody>
-      </p:sp>
-      <p:sp>
-        <p:nvSpPr>
-          <p:cNvPr id="19" name="Rounded Rectangle 18"/>
-          <p:cNvSpPr/>
-          <p:nvPr/>
-        </p:nvSpPr>
-        <p:spPr>
-          <a:xfrm>
-            <a:off x="10484774" y="1775791"/>
-            <a:ext cx="1298713" cy="609600"/>
-          </a:xfrm>
-          <a:prstGeom prst="roundRect">
-            <a:avLst/>
-          </a:prstGeom>
-          <a:solidFill>
-            <a:srgbClr val="7030A0"/>
-          </a:solidFill>
-          <a:ln>
-            <a:noFill/>
-          </a:ln>
-        </p:spPr>
-        <p:style>
-          <a:lnRef idx="2">
-            <a:schemeClr val="accent1">
-              <a:shade val="50000"/>
-            </a:schemeClr>
-          </a:lnRef>
-          <a:fillRef idx="1">
-            <a:schemeClr val="accent1"/>
-          </a:fillRef>
-          <a:effectRef idx="0">
-            <a:schemeClr val="accent1"/>
-          </a:effectRef>
-          <a:fontRef idx="minor">
-            <a:schemeClr val="lt1"/>
-          </a:fontRef>
-        </p:style>
-        <p:txBody>
-          <a:bodyPr rtlCol="0" anchor="ctr"/>
-          <a:lstStyle/>
-          <a:p>
-            <a:pPr algn="ctr"/>
-            <a:r>
-              <a:rPr lang="en-US" dirty="0" smtClean="0"/>
-              <a:t>April</a:t>
-            </a:r>
-            <a:endParaRPr lang="en-US" dirty="0"/>
-          </a:p>
-        </p:txBody>
-      </p:sp>
-      <p:sp>
-        <p:nvSpPr>
-          <p:cNvPr id="20" name="TextBox 19"/>
-          <p:cNvSpPr txBox="1"/>
-          <p:nvPr/>
-        </p:nvSpPr>
-        <p:spPr>
-          <a:xfrm>
-            <a:off x="7149430" y="3861321"/>
-            <a:ext cx="1292205" cy="276999"/>
-          </a:xfrm>
-          <a:prstGeom prst="rect">
-            <a:avLst/>
-          </a:prstGeom>
-          <a:solidFill>
-            <a:srgbClr val="7030A0">
-              <a:alpha val="38039"/>
-            </a:srgbClr>
-          </a:solidFill>
-        </p:spPr>
-        <p:txBody>
-          <a:bodyPr wrap="square" rtlCol="0">
-            <a:spAutoFit/>
-          </a:bodyPr>
-          <a:lstStyle/>
-          <a:p>
-            <a:endParaRPr lang="en-US" sz="1200" dirty="0"/>
-          </a:p>
-        </p:txBody>
-      </p:sp>
-      <p:sp>
-        <p:nvSpPr>
-          <p:cNvPr id="21" name="TextBox 20"/>
-          <p:cNvSpPr txBox="1"/>
-          <p:nvPr/>
-        </p:nvSpPr>
-        <p:spPr>
-          <a:xfrm>
-            <a:off x="8520667" y="4215239"/>
-            <a:ext cx="530570" cy="276999"/>
-          </a:xfrm>
-          <a:prstGeom prst="rect">
-            <a:avLst/>
-          </a:prstGeom>
-          <a:solidFill>
-            <a:srgbClr val="7030A0">
-              <a:alpha val="38039"/>
-            </a:srgbClr>
-          </a:solidFill>
-        </p:spPr>
-        <p:txBody>
-          <a:bodyPr wrap="square" rtlCol="0">
-            <a:spAutoFit/>
-          </a:bodyPr>
-          <a:lstStyle/>
-          <a:p>
-            <a:endParaRPr lang="en-US" sz="1200" dirty="0"/>
-          </a:p>
-        </p:txBody>
-      </p:sp>
-      <p:sp>
-        <p:nvSpPr>
-          <p:cNvPr id="22" name="TextBox 21"/>
-          <p:cNvSpPr txBox="1"/>
-          <p:nvPr/>
-        </p:nvSpPr>
-        <p:spPr>
-          <a:xfrm>
-            <a:off x="8480911" y="4203628"/>
-            <a:ext cx="3903761" cy="276999"/>
-          </a:xfrm>
-          <a:prstGeom prst="rect">
-            <a:avLst/>
-          </a:prstGeom>
-          <a:noFill/>
-        </p:spPr>
-        <p:txBody>
-          <a:bodyPr wrap="none" rtlCol="0">
-            <a:spAutoFit/>
-          </a:bodyPr>
-          <a:lstStyle/>
-          <a:p>
-            <a:r>
-              <a:rPr lang="en-US" sz="1200" dirty="0" smtClean="0"/>
-              <a:t>Analyze the results of the survey and develop a new survey</a:t>
-            </a:r>
-            <a:r>
-              <a:rPr lang="en-US" sz="1200" dirty="0" smtClean="0">
-                <a:effectLst/>
-              </a:rPr>
-              <a:t> </a:t>
-            </a:r>
-            <a:endParaRPr lang="en-US" sz="1200" dirty="0" smtClean="0"/>
-          </a:p>
-        </p:txBody>
-      </p:sp>
-      <p:sp>
-        <p:nvSpPr>
-          <p:cNvPr id="23" name="TextBox 22"/>
-          <p:cNvSpPr txBox="1"/>
-          <p:nvPr/>
-        </p:nvSpPr>
-        <p:spPr>
-          <a:xfrm>
-            <a:off x="7159174" y="3847387"/>
-            <a:ext cx="3878113" cy="276999"/>
-          </a:xfrm>
-          <a:prstGeom prst="rect">
-            <a:avLst/>
-          </a:prstGeom>
-          <a:noFill/>
-        </p:spPr>
-        <p:txBody>
-          <a:bodyPr wrap="none" rtlCol="0">
-            <a:spAutoFit/>
-          </a:bodyPr>
-          <a:lstStyle/>
-          <a:p>
-            <a:r>
-              <a:rPr lang="en-US" sz="1200" dirty="0" smtClean="0"/>
-              <a:t>Sending out surveys +time to wait for physicians to answer</a:t>
-            </a:r>
-            <a:r>
-              <a:rPr lang="en-US" sz="1200" dirty="0" smtClean="0">
-                <a:effectLst/>
-              </a:rPr>
-              <a:t> </a:t>
-            </a:r>
-            <a:endParaRPr lang="en-US" sz="1200" dirty="0" smtClean="0"/>
-          </a:p>
-        </p:txBody>
-      </p:sp>
-      <p:sp>
-        <p:nvSpPr>
-          <p:cNvPr id="24" name="TextBox 23"/>
-          <p:cNvSpPr txBox="1"/>
-          <p:nvPr/>
-        </p:nvSpPr>
-        <p:spPr>
-          <a:xfrm>
-            <a:off x="9140586" y="4533293"/>
-            <a:ext cx="1344188" cy="420610"/>
-          </a:xfrm>
-          <a:prstGeom prst="rect">
-            <a:avLst/>
-          </a:prstGeom>
-          <a:solidFill>
-            <a:srgbClr val="7030A0">
-              <a:alpha val="38039"/>
-            </a:srgbClr>
-          </a:solidFill>
-        </p:spPr>
-        <p:txBody>
-          <a:bodyPr wrap="square" rtlCol="0">
-            <a:spAutoFit/>
-          </a:bodyPr>
-          <a:lstStyle/>
-          <a:p>
-            <a:endParaRPr lang="en-US" sz="1200" dirty="0"/>
-          </a:p>
-        </p:txBody>
-      </p:sp>
-      <p:sp>
-        <p:nvSpPr>
-          <p:cNvPr id="26" name="TextBox 25"/>
-          <p:cNvSpPr txBox="1"/>
-          <p:nvPr/>
-        </p:nvSpPr>
-        <p:spPr>
-          <a:xfrm>
-            <a:off x="9140587" y="4505490"/>
-            <a:ext cx="3873048" cy="461665"/>
-          </a:xfrm>
-          <a:prstGeom prst="rect">
-            <a:avLst/>
-          </a:prstGeom>
-          <a:noFill/>
-        </p:spPr>
-        <p:txBody>
-          <a:bodyPr wrap="square" rtlCol="0">
-            <a:spAutoFit/>
-          </a:bodyPr>
-          <a:lstStyle/>
-          <a:p>
-            <a:r>
-              <a:rPr lang="en-US" sz="1200" dirty="0" smtClean="0"/>
-              <a:t>Sending out 2</a:t>
-            </a:r>
-            <a:r>
-              <a:rPr lang="en-US" sz="1200" baseline="30000" dirty="0" smtClean="0"/>
-              <a:t>nd</a:t>
-            </a:r>
-            <a:r>
-              <a:rPr lang="en-US" sz="1200" dirty="0" smtClean="0"/>
-              <a:t> round of surveys + time to wait for physicians to answer</a:t>
-            </a:r>
-          </a:p>
-        </p:txBody>
-      </p:sp>
-      <p:sp>
-        <p:nvSpPr>
-          <p:cNvPr id="27" name="TextBox 26"/>
-          <p:cNvSpPr txBox="1"/>
-          <p:nvPr/>
-        </p:nvSpPr>
-        <p:spPr>
-          <a:xfrm>
-            <a:off x="10524530" y="4993659"/>
-            <a:ext cx="1344188" cy="420610"/>
-          </a:xfrm>
-          <a:prstGeom prst="rect">
-            <a:avLst/>
-          </a:prstGeom>
-          <a:solidFill>
-            <a:srgbClr val="7030A0">
-              <a:alpha val="38039"/>
-            </a:srgbClr>
-          </a:solidFill>
-        </p:spPr>
-        <p:txBody>
-          <a:bodyPr wrap="square" rtlCol="0">
-            <a:spAutoFit/>
-          </a:bodyPr>
-          <a:lstStyle/>
-          <a:p>
-            <a:endParaRPr lang="en-US" sz="1200" dirty="0"/>
-          </a:p>
-        </p:txBody>
-      </p:sp>
-      <p:sp>
-        <p:nvSpPr>
-          <p:cNvPr id="28" name="TextBox 27"/>
-          <p:cNvSpPr txBox="1"/>
-          <p:nvPr/>
-        </p:nvSpPr>
-        <p:spPr>
-          <a:xfrm>
-            <a:off x="10484774" y="4967155"/>
-            <a:ext cx="2316826" cy="461665"/>
-          </a:xfrm>
-          <a:prstGeom prst="rect">
-            <a:avLst/>
-          </a:prstGeom>
-          <a:noFill/>
-        </p:spPr>
-        <p:txBody>
-          <a:bodyPr wrap="square" rtlCol="0">
-            <a:spAutoFit/>
-          </a:bodyPr>
-          <a:lstStyle/>
-          <a:p>
-            <a:r>
-              <a:rPr lang="en-US" sz="1200" dirty="0" smtClean="0"/>
-              <a:t>Analyze the results of the survey and write publication </a:t>
-            </a:r>
-          </a:p>
-        </p:txBody>
-      </p:sp>
-      <p:sp>
-        <p:nvSpPr>
-          <p:cNvPr id="29" name="TextBox 28"/>
-          <p:cNvSpPr txBox="1"/>
-          <p:nvPr/>
-        </p:nvSpPr>
-        <p:spPr>
-          <a:xfrm>
-            <a:off x="7149429" y="3438892"/>
-            <a:ext cx="4634058" cy="276999"/>
-          </a:xfrm>
-          <a:prstGeom prst="rect">
-            <a:avLst/>
-          </a:prstGeom>
-          <a:solidFill>
-            <a:srgbClr val="7030A0">
-              <a:alpha val="38039"/>
-            </a:srgbClr>
-          </a:solidFill>
-        </p:spPr>
-        <p:txBody>
-          <a:bodyPr wrap="square" rtlCol="0">
-            <a:spAutoFit/>
-          </a:bodyPr>
-          <a:lstStyle/>
-          <a:p>
-            <a:r>
-              <a:rPr lang="en-US" sz="1200" dirty="0" smtClean="0"/>
-              <a:t>Attend surgeries and time the steps</a:t>
-            </a:r>
-            <a:endParaRPr lang="en-US" sz="1200" dirty="0"/>
-          </a:p>
-        </p:txBody>
-      </p:sp>
-      <p:sp>
-        <p:nvSpPr>
-          <p:cNvPr id="30" name="Left Bracket 29"/>
-          <p:cNvSpPr/>
-          <p:nvPr/>
-        </p:nvSpPr>
-        <p:spPr>
-          <a:xfrm rot="16200000" flipH="1">
-            <a:off x="9014688" y="-451239"/>
-            <a:ext cx="247214" cy="3837493"/>
-          </a:xfrm>
-          <a:prstGeom prst="leftBracket">
-            <a:avLst/>
-          </a:prstGeom>
-          <a:noFill/>
-          <a:ln>
-            <a:solidFill>
-              <a:schemeClr val="tx1"/>
-            </a:solidFill>
-          </a:ln>
-        </p:spPr>
-        <p:style>
-          <a:lnRef idx="1">
-            <a:schemeClr val="accent1"/>
-          </a:lnRef>
-          <a:fillRef idx="0">
-            <a:schemeClr val="accent1"/>
-          </a:fillRef>
-          <a:effectRef idx="0">
-            <a:schemeClr val="accent1"/>
-          </a:effectRef>
-          <a:fontRef idx="minor">
-            <a:schemeClr val="tx1"/>
-          </a:fontRef>
-        </p:style>
-        <p:txBody>
-          <a:bodyPr rtlCol="0" anchor="ctr"/>
-          <a:lstStyle/>
-          <a:p>
-            <a:pPr algn="ctr"/>
-            <a:endParaRPr lang="en-US"/>
-          </a:p>
-        </p:txBody>
-      </p:sp>
-      <p:sp>
-        <p:nvSpPr>
-          <p:cNvPr id="31" name="Rounded Rectangle 30"/>
-          <p:cNvSpPr/>
-          <p:nvPr/>
-        </p:nvSpPr>
-        <p:spPr>
-          <a:xfrm>
-            <a:off x="8583509" y="1089425"/>
-            <a:ext cx="971021" cy="537327"/>
-          </a:xfrm>
-          <a:prstGeom prst="roundRect">
-            <a:avLst/>
-          </a:prstGeom>
-          <a:solidFill>
-            <a:srgbClr val="7030A0"/>
-          </a:solidFill>
-          <a:ln>
-            <a:noFill/>
-          </a:ln>
-        </p:spPr>
-        <p:style>
-          <a:lnRef idx="2">
-            <a:schemeClr val="accent1">
-              <a:shade val="50000"/>
-            </a:schemeClr>
-          </a:lnRef>
-          <a:fillRef idx="1">
-            <a:schemeClr val="accent1"/>
-          </a:fillRef>
-          <a:effectRef idx="0">
-            <a:schemeClr val="accent1"/>
-          </a:effectRef>
-          <a:fontRef idx="minor">
-            <a:schemeClr val="lt1"/>
-          </a:fontRef>
-        </p:style>
-        <p:txBody>
-          <a:bodyPr rtlCol="0" anchor="ctr"/>
-          <a:lstStyle/>
-          <a:p>
-            <a:pPr algn="ctr"/>
-            <a:r>
-              <a:rPr lang="en-US" smtClean="0"/>
-              <a:t>2017</a:t>
-            </a:r>
-            <a:endParaRPr lang="en-US"/>
-          </a:p>
-        </p:txBody>
-      </p:sp>
+            <a:ln>
+              <a:noFill/>
+            </a:ln>
+          </p:spPr>
+          <p:style>
+            <a:lnRef idx="2">
+              <a:schemeClr val="accent1">
+                <a:shade val="50000"/>
+              </a:schemeClr>
+            </a:lnRef>
+            <a:fillRef idx="1">
+              <a:schemeClr val="accent1"/>
+            </a:fillRef>
+            <a:effectRef idx="0">
+              <a:schemeClr val="accent1"/>
+            </a:effectRef>
+            <a:fontRef idx="minor">
+              <a:schemeClr val="lt1"/>
+            </a:fontRef>
+          </p:style>
+          <p:txBody>
+            <a:bodyPr rtlCol="0" anchor="ctr"/>
+            <a:lstStyle/>
+            <a:p>
+              <a:pPr algn="ctr"/>
+              <a:r>
+                <a:rPr lang="en-US" smtClean="0"/>
+                <a:t>2017</a:t>
+              </a:r>
+              <a:endParaRPr lang="en-US"/>
+            </a:p>
+          </p:txBody>
+        </p:sp>
+      </p:grpSp>
     </p:spTree>
     <p:extLst>
       <p:ext uri="{BB962C8B-B14F-4D97-AF65-F5344CB8AC3E}">
